--- a/hahnjae/array.pptx
+++ b/hahnjae/array.pptx
@@ -218,7 +218,7 @@
           <a:p>
             <a:fld id="{010AC473-9A23-4F9C-82FC-6B5D071E3F70}" type="datetimeFigureOut">
               <a:rPr lang="ko-KR" altLang="en-US" smtClean="0"/>
-              <a:t>2024-04-10</a:t>
+              <a:t>2024-04-11</a:t>
             </a:fld>
             <a:endParaRPr lang="ko-KR" altLang="en-US"/>
           </a:p>
@@ -2480,7 +2480,7 @@
           <a:p>
             <a:fld id="{76DAAC82-5EA6-4FD5-8161-CCFB486C15C2}" type="datetimeFigureOut">
               <a:rPr lang="ko-KR" altLang="en-US" smtClean="0"/>
-              <a:t>2024-04-10</a:t>
+              <a:t>2024-04-11</a:t>
             </a:fld>
             <a:endParaRPr lang="ko-KR" altLang="en-US"/>
           </a:p>
@@ -2678,7 +2678,7 @@
           <a:p>
             <a:fld id="{76DAAC82-5EA6-4FD5-8161-CCFB486C15C2}" type="datetimeFigureOut">
               <a:rPr lang="ko-KR" altLang="en-US" smtClean="0"/>
-              <a:t>2024-04-10</a:t>
+              <a:t>2024-04-11</a:t>
             </a:fld>
             <a:endParaRPr lang="ko-KR" altLang="en-US"/>
           </a:p>
@@ -2886,7 +2886,7 @@
           <a:p>
             <a:fld id="{76DAAC82-5EA6-4FD5-8161-CCFB486C15C2}" type="datetimeFigureOut">
               <a:rPr lang="ko-KR" altLang="en-US" smtClean="0"/>
-              <a:t>2024-04-10</a:t>
+              <a:t>2024-04-11</a:t>
             </a:fld>
             <a:endParaRPr lang="ko-KR" altLang="en-US"/>
           </a:p>
@@ -3084,7 +3084,7 @@
           <a:p>
             <a:fld id="{76DAAC82-5EA6-4FD5-8161-CCFB486C15C2}" type="datetimeFigureOut">
               <a:rPr lang="ko-KR" altLang="en-US" smtClean="0"/>
-              <a:t>2024-04-10</a:t>
+              <a:t>2024-04-11</a:t>
             </a:fld>
             <a:endParaRPr lang="ko-KR" altLang="en-US"/>
           </a:p>
@@ -3359,7 +3359,7 @@
           <a:p>
             <a:fld id="{76DAAC82-5EA6-4FD5-8161-CCFB486C15C2}" type="datetimeFigureOut">
               <a:rPr lang="ko-KR" altLang="en-US" smtClean="0"/>
-              <a:t>2024-04-10</a:t>
+              <a:t>2024-04-11</a:t>
             </a:fld>
             <a:endParaRPr lang="ko-KR" altLang="en-US"/>
           </a:p>
@@ -3624,7 +3624,7 @@
           <a:p>
             <a:fld id="{76DAAC82-5EA6-4FD5-8161-CCFB486C15C2}" type="datetimeFigureOut">
               <a:rPr lang="ko-KR" altLang="en-US" smtClean="0"/>
-              <a:t>2024-04-10</a:t>
+              <a:t>2024-04-11</a:t>
             </a:fld>
             <a:endParaRPr lang="ko-KR" altLang="en-US"/>
           </a:p>
@@ -4036,7 +4036,7 @@
           <a:p>
             <a:fld id="{76DAAC82-5EA6-4FD5-8161-CCFB486C15C2}" type="datetimeFigureOut">
               <a:rPr lang="ko-KR" altLang="en-US" smtClean="0"/>
-              <a:t>2024-04-10</a:t>
+              <a:t>2024-04-11</a:t>
             </a:fld>
             <a:endParaRPr lang="ko-KR" altLang="en-US"/>
           </a:p>
@@ -4177,7 +4177,7 @@
           <a:p>
             <a:fld id="{76DAAC82-5EA6-4FD5-8161-CCFB486C15C2}" type="datetimeFigureOut">
               <a:rPr lang="ko-KR" altLang="en-US" smtClean="0"/>
-              <a:t>2024-04-10</a:t>
+              <a:t>2024-04-11</a:t>
             </a:fld>
             <a:endParaRPr lang="ko-KR" altLang="en-US"/>
           </a:p>
@@ -4290,7 +4290,7 @@
           <a:p>
             <a:fld id="{76DAAC82-5EA6-4FD5-8161-CCFB486C15C2}" type="datetimeFigureOut">
               <a:rPr lang="ko-KR" altLang="en-US" smtClean="0"/>
-              <a:t>2024-04-10</a:t>
+              <a:t>2024-04-11</a:t>
             </a:fld>
             <a:endParaRPr lang="ko-KR" altLang="en-US"/>
           </a:p>
@@ -4601,7 +4601,7 @@
           <a:p>
             <a:fld id="{76DAAC82-5EA6-4FD5-8161-CCFB486C15C2}" type="datetimeFigureOut">
               <a:rPr lang="ko-KR" altLang="en-US" smtClean="0"/>
-              <a:t>2024-04-10</a:t>
+              <a:t>2024-04-11</a:t>
             </a:fld>
             <a:endParaRPr lang="ko-KR" altLang="en-US"/>
           </a:p>
@@ -4889,7 +4889,7 @@
           <a:p>
             <a:fld id="{76DAAC82-5EA6-4FD5-8161-CCFB486C15C2}" type="datetimeFigureOut">
               <a:rPr lang="ko-KR" altLang="en-US" smtClean="0"/>
-              <a:t>2024-04-10</a:t>
+              <a:t>2024-04-11</a:t>
             </a:fld>
             <a:endParaRPr lang="ko-KR" altLang="en-US"/>
           </a:p>
@@ -5130,7 +5130,7 @@
           <a:p>
             <a:fld id="{76DAAC82-5EA6-4FD5-8161-CCFB486C15C2}" type="datetimeFigureOut">
               <a:rPr lang="ko-KR" altLang="en-US" smtClean="0"/>
-              <a:t>2024-04-10</a:t>
+              <a:t>2024-04-11</a:t>
             </a:fld>
             <a:endParaRPr lang="ko-KR" altLang="en-US"/>
           </a:p>
@@ -7046,6 +7046,36 @@
           </a:prstGeom>
         </p:spPr>
       </p:pic>
+      <p:pic>
+        <p:nvPicPr>
+          <p:cNvPr id="4" name="그림 3">
+            <a:extLst>
+              <a:ext uri="{FF2B5EF4-FFF2-40B4-BE49-F238E27FC236}">
+                <a16:creationId xmlns:a16="http://schemas.microsoft.com/office/drawing/2014/main" id="{2FC2318E-CE72-9F91-D801-2BAFF0F1BFC7}"/>
+              </a:ext>
+            </a:extLst>
+          </p:cNvPr>
+          <p:cNvPicPr>
+            <a:picLocks noChangeAspect="1"/>
+          </p:cNvPicPr>
+          <p:nvPr/>
+        </p:nvPicPr>
+        <p:blipFill>
+          <a:blip r:embed="rId5"/>
+          <a:stretch>
+            <a:fillRect/>
+          </a:stretch>
+        </p:blipFill>
+        <p:spPr>
+          <a:xfrm>
+            <a:off x="3523217" y="2325648"/>
+            <a:ext cx="2326019" cy="2836609"/>
+          </a:xfrm>
+          <a:prstGeom prst="rect">
+            <a:avLst/>
+          </a:prstGeom>
+        </p:spPr>
+      </p:pic>
     </p:spTree>
     <p:extLst>
       <p:ext uri="{BB962C8B-B14F-4D97-AF65-F5344CB8AC3E}">
@@ -7281,6 +7311,59 @@
                                         <p:cTn id="23" dur="500"/>
                                         <p:tgtEl>
                                           <p:spTgt spid="15"/>
+                                        </p:tgtEl>
+                                      </p:cBhvr>
+                                    </p:animEffect>
+                                  </p:childTnLst>
+                                </p:cTn>
+                              </p:par>
+                            </p:childTnLst>
+                          </p:cTn>
+                        </p:par>
+                      </p:childTnLst>
+                    </p:cTn>
+                  </p:par>
+                  <p:par>
+                    <p:cTn id="24" fill="hold">
+                      <p:stCondLst>
+                        <p:cond delay="indefinite"/>
+                      </p:stCondLst>
+                      <p:childTnLst>
+                        <p:par>
+                          <p:cTn id="25" fill="hold">
+                            <p:stCondLst>
+                              <p:cond delay="0"/>
+                            </p:stCondLst>
+                            <p:childTnLst>
+                              <p:par>
+                                <p:cTn id="26" presetID="10" presetClass="entr" presetSubtype="0" fill="hold" nodeType="clickEffect">
+                                  <p:stCondLst>
+                                    <p:cond delay="0"/>
+                                  </p:stCondLst>
+                                  <p:childTnLst>
+                                    <p:set>
+                                      <p:cBhvr>
+                                        <p:cTn id="27" dur="1" fill="hold">
+                                          <p:stCondLst>
+                                            <p:cond delay="0"/>
+                                          </p:stCondLst>
+                                        </p:cTn>
+                                        <p:tgtEl>
+                                          <p:spTgt spid="4"/>
+                                        </p:tgtEl>
+                                        <p:attrNameLst>
+                                          <p:attrName>style.visibility</p:attrName>
+                                        </p:attrNameLst>
+                                      </p:cBhvr>
+                                      <p:to>
+                                        <p:strVal val="visible"/>
+                                      </p:to>
+                                    </p:set>
+                                    <p:animEffect transition="in" filter="fade">
+                                      <p:cBhvr>
+                                        <p:cTn id="28" dur="500"/>
+                                        <p:tgtEl>
+                                          <p:spTgt spid="4"/>
                                         </p:tgtEl>
                                       </p:cBhvr>
                                     </p:animEffect>
